--- a/Documentação/Documentação_Teorica/Proto Persona - Versão 1.pptx
+++ b/Documentação/Documentação_Teorica/Proto Persona - Versão 1.pptx
@@ -260,7 +260,7 @@
           <a:p>
             <a:fld id="{7A70D3FA-9DC3-4088-8BAD-1F774764C365}" type="datetimeFigureOut">
               <a:rPr lang="pt-BR" smtClean="0"/>
-              <a:t>02/03/2021</a:t>
+              <a:t>09/03/2021</a:t>
             </a:fld>
             <a:endParaRPr lang="pt-BR"/>
           </a:p>
@@ -458,7 +458,7 @@
           <a:p>
             <a:fld id="{7A70D3FA-9DC3-4088-8BAD-1F774764C365}" type="datetimeFigureOut">
               <a:rPr lang="pt-BR" smtClean="0"/>
-              <a:t>02/03/2021</a:t>
+              <a:t>09/03/2021</a:t>
             </a:fld>
             <a:endParaRPr lang="pt-BR"/>
           </a:p>
@@ -666,7 +666,7 @@
           <a:p>
             <a:fld id="{7A70D3FA-9DC3-4088-8BAD-1F774764C365}" type="datetimeFigureOut">
               <a:rPr lang="pt-BR" smtClean="0"/>
-              <a:t>02/03/2021</a:t>
+              <a:t>09/03/2021</a:t>
             </a:fld>
             <a:endParaRPr lang="pt-BR"/>
           </a:p>
@@ -812,7 +812,7 @@
           <a:p>
             <a:fld id="{1D8BD707-D9CF-40AE-B4C6-C98DA3205C09}" type="datetimeFigureOut">
               <a:rPr lang="en-US"/>
-              <a:t>3/2/2021</a:t>
+              <a:t>3/9/2021</a:t>
             </a:fld>
             <a:endParaRPr lang="en-US"/>
           </a:p>
@@ -988,7 +988,7 @@
           <a:p>
             <a:fld id="{7A70D3FA-9DC3-4088-8BAD-1F774764C365}" type="datetimeFigureOut">
               <a:rPr lang="pt-BR" smtClean="0"/>
-              <a:t>02/03/2021</a:t>
+              <a:t>09/03/2021</a:t>
             </a:fld>
             <a:endParaRPr lang="pt-BR"/>
           </a:p>
@@ -1263,7 +1263,7 @@
           <a:p>
             <a:fld id="{7A70D3FA-9DC3-4088-8BAD-1F774764C365}" type="datetimeFigureOut">
               <a:rPr lang="pt-BR" smtClean="0"/>
-              <a:t>02/03/2021</a:t>
+              <a:t>09/03/2021</a:t>
             </a:fld>
             <a:endParaRPr lang="pt-BR"/>
           </a:p>
@@ -1528,7 +1528,7 @@
           <a:p>
             <a:fld id="{7A70D3FA-9DC3-4088-8BAD-1F774764C365}" type="datetimeFigureOut">
               <a:rPr lang="pt-BR" smtClean="0"/>
-              <a:t>02/03/2021</a:t>
+              <a:t>09/03/2021</a:t>
             </a:fld>
             <a:endParaRPr lang="pt-BR"/>
           </a:p>
@@ -1940,7 +1940,7 @@
           <a:p>
             <a:fld id="{7A70D3FA-9DC3-4088-8BAD-1F774764C365}" type="datetimeFigureOut">
               <a:rPr lang="pt-BR" smtClean="0"/>
-              <a:t>02/03/2021</a:t>
+              <a:t>09/03/2021</a:t>
             </a:fld>
             <a:endParaRPr lang="pt-BR"/>
           </a:p>
@@ -2081,7 +2081,7 @@
           <a:p>
             <a:fld id="{7A70D3FA-9DC3-4088-8BAD-1F774764C365}" type="datetimeFigureOut">
               <a:rPr lang="pt-BR" smtClean="0"/>
-              <a:t>02/03/2021</a:t>
+              <a:t>09/03/2021</a:t>
             </a:fld>
             <a:endParaRPr lang="pt-BR"/>
           </a:p>
@@ -2194,7 +2194,7 @@
           <a:p>
             <a:fld id="{7A70D3FA-9DC3-4088-8BAD-1F774764C365}" type="datetimeFigureOut">
               <a:rPr lang="pt-BR" smtClean="0"/>
-              <a:t>02/03/2021</a:t>
+              <a:t>09/03/2021</a:t>
             </a:fld>
             <a:endParaRPr lang="pt-BR"/>
           </a:p>
@@ -2505,7 +2505,7 @@
           <a:p>
             <a:fld id="{7A70D3FA-9DC3-4088-8BAD-1F774764C365}" type="datetimeFigureOut">
               <a:rPr lang="pt-BR" smtClean="0"/>
-              <a:t>02/03/2021</a:t>
+              <a:t>09/03/2021</a:t>
             </a:fld>
             <a:endParaRPr lang="pt-BR"/>
           </a:p>
@@ -2793,7 +2793,7 @@
           <a:p>
             <a:fld id="{7A70D3FA-9DC3-4088-8BAD-1F774764C365}" type="datetimeFigureOut">
               <a:rPr lang="pt-BR" smtClean="0"/>
-              <a:t>02/03/2021</a:t>
+              <a:t>09/03/2021</a:t>
             </a:fld>
             <a:endParaRPr lang="pt-BR"/>
           </a:p>
@@ -3034,7 +3034,7 @@
           <a:p>
             <a:fld id="{7A70D3FA-9DC3-4088-8BAD-1F774764C365}" type="datetimeFigureOut">
               <a:rPr lang="pt-BR" smtClean="0"/>
-              <a:t>02/03/2021</a:t>
+              <a:t>09/03/2021</a:t>
             </a:fld>
             <a:endParaRPr lang="pt-BR"/>
           </a:p>
